--- a/Documents/ASE Demo Group 9.pptx
+++ b/Documents/ASE Demo Group 9.pptx
@@ -5,7 +5,7 @@
     <p:sldMasterId id="2147483648" r:id="rId1"/>
   </p:sldMasterIdLst>
   <p:notesMasterIdLst>
-    <p:notesMasterId r:id="rId13"/>
+    <p:notesMasterId r:id="rId14"/>
   </p:notesMasterIdLst>
   <p:sldIdLst>
     <p:sldId id="256" r:id="rId2"/>
@@ -18,7 +18,8 @@
     <p:sldId id="270" r:id="rId9"/>
     <p:sldId id="272" r:id="rId10"/>
     <p:sldId id="273" r:id="rId11"/>
-    <p:sldId id="260" r:id="rId12"/>
+    <p:sldId id="275" r:id="rId12"/>
+    <p:sldId id="260" r:id="rId13"/>
   </p:sldIdLst>
   <p:sldSz cx="9144000" cy="6858000" type="screen4x3"/>
   <p:notesSz cx="6858000" cy="9947275"/>
@@ -2375,11 +2376,17 @@
             <p:ph type="ctrTitle"/>
           </p:nvPr>
         </p:nvSpPr>
-        <p:spPr/>
+        <p:spPr>
+          <a:xfrm>
+            <a:off x="828675" y="3429000"/>
+            <a:ext cx="7500939" cy="554850"/>
+          </a:xfrm>
+        </p:spPr>
         <p:txBody>
           <a:bodyPr/>
           <a:lstStyle/>
           <a:p>
+            <a:pPr algn="ctr"/>
             <a:r>
               <a:rPr lang="en-GB" dirty="0"/>
               <a:t>Demo Presentation: ASE (Group 9)</a:t>
@@ -2389,7 +2396,13 @@
       </p:sp>
       <p:sp>
         <p:nvSpPr>
-          <p:cNvPr id="6" name="Text Placeholder 5"/>
+          <p:cNvPr id="4" name="Text Placeholder 2">
+            <a:extLst>
+              <a:ext uri="{FF2B5EF4-FFF2-40B4-BE49-F238E27FC236}">
+                <a16:creationId xmlns:a16="http://schemas.microsoft.com/office/drawing/2014/main" id="{BC784751-820E-43B2-BB36-727969F6AF7A}"/>
+              </a:ext>
+            </a:extLst>
+          </p:cNvPr>
           <p:cNvSpPr>
             <a:spLocks noGrp="1"/>
           </p:cNvSpPr>
@@ -2399,16 +2412,256 @@
         </p:nvSpPr>
         <p:spPr>
           <a:xfrm>
-            <a:off x="828675" y="5386500"/>
-            <a:ext cx="7809487" cy="979374"/>
+            <a:off x="828675" y="4747098"/>
+            <a:ext cx="7500938" cy="1721796"/>
           </a:xfrm>
         </p:spPr>
         <p:txBody>
           <a:bodyPr/>
           <a:lstStyle/>
           <a:p>
-            <a:pPr lvl="1"/>
-            <a:endParaRPr lang="en-GB" dirty="0"/>
+            <a:endParaRPr lang="en-GB" dirty="0">
+              <a:solidFill>
+                <a:schemeClr val="tx1"/>
+              </a:solidFill>
+            </a:endParaRPr>
+          </a:p>
+          <a:p>
+            <a:pPr algn="ctr"/>
+            <a:r>
+              <a:rPr lang="en-GB" dirty="0">
+                <a:solidFill>
+                  <a:schemeClr val="tx1"/>
+                </a:solidFill>
+              </a:rPr>
+              <a:t>Aditya Misra	Anirban Bhattacharjee		Pavan PSS</a:t>
+            </a:r>
+          </a:p>
+          <a:p>
+            <a:pPr algn="ctr"/>
+            <a:r>
+              <a:rPr lang="en-GB" dirty="0">
+                <a:solidFill>
+                  <a:schemeClr val="tx1"/>
+                </a:solidFill>
+              </a:rPr>
+              <a:t>18302706		17338070			18305688</a:t>
+            </a:r>
+          </a:p>
+          <a:p>
+            <a:pPr algn="ctr"/>
+            <a:endParaRPr lang="en-GB" dirty="0">
+              <a:solidFill>
+                <a:schemeClr val="tx1"/>
+              </a:solidFill>
+            </a:endParaRPr>
+          </a:p>
+          <a:p>
+            <a:pPr algn="ctr"/>
+            <a:r>
+              <a:rPr lang="en-GB" dirty="0">
+                <a:solidFill>
+                  <a:schemeClr val="tx1"/>
+                </a:solidFill>
+              </a:rPr>
+              <a:t>Rajat Sharma	Shubham Pandey		Xin Chen</a:t>
+            </a:r>
+          </a:p>
+          <a:p>
+            <a:pPr algn="ctr"/>
+            <a:r>
+              <a:rPr lang="en-GB" dirty="0">
+                <a:solidFill>
+                  <a:schemeClr val="tx1"/>
+                </a:solidFill>
+              </a:rPr>
+              <a:t>18306585		18304352			13326741</a:t>
+            </a:r>
+          </a:p>
+        </p:txBody>
+      </p:sp>
+      <p:sp>
+        <p:nvSpPr>
+          <p:cNvPr id="5" name="Text Placeholder 2">
+            <a:extLst>
+              <a:ext uri="{FF2B5EF4-FFF2-40B4-BE49-F238E27FC236}">
+                <a16:creationId xmlns:a16="http://schemas.microsoft.com/office/drawing/2014/main" id="{B1B614CB-B63E-4B7C-8643-7D202034B3CA}"/>
+              </a:ext>
+            </a:extLst>
+          </p:cNvPr>
+          <p:cNvSpPr txBox="1">
+            <a:spLocks/>
+          </p:cNvSpPr>
+          <p:nvPr/>
+        </p:nvSpPr>
+        <p:spPr>
+          <a:xfrm>
+            <a:off x="932436" y="4144729"/>
+            <a:ext cx="7500938" cy="393597"/>
+          </a:xfrm>
+          <a:prstGeom prst="rect">
+            <a:avLst/>
+          </a:prstGeom>
+        </p:spPr>
+        <p:txBody>
+          <a:bodyPr vert="horz" lIns="0" tIns="0" rIns="0" bIns="0" rtlCol="0">
+            <a:noAutofit/>
+          </a:bodyPr>
+          <a:lstStyle>
+            <a:lvl1pPr marL="0" indent="0" algn="l" defTabSz="914400" rtl="0" eaLnBrk="1" latinLnBrk="0" hangingPunct="1">
+              <a:spcBef>
+                <a:spcPts val="0"/>
+              </a:spcBef>
+              <a:buFont typeface="Arial" pitchFamily="34" charset="0"/>
+              <a:buNone/>
+              <a:defRPr sz="1400" b="1" kern="1200">
+                <a:solidFill>
+                  <a:srgbClr val="005EAE"/>
+                </a:solidFill>
+                <a:latin typeface="+mn-lt"/>
+                <a:ea typeface="+mn-ea"/>
+                <a:cs typeface="+mn-cs"/>
+              </a:defRPr>
+            </a:lvl1pPr>
+            <a:lvl2pPr marL="0" indent="0" algn="l" defTabSz="914400" rtl="0" eaLnBrk="1" latinLnBrk="0" hangingPunct="1">
+              <a:spcBef>
+                <a:spcPts val="0"/>
+              </a:spcBef>
+              <a:buClr>
+                <a:schemeClr val="tx2"/>
+              </a:buClr>
+              <a:buFont typeface="Arial" pitchFamily="34" charset="0"/>
+              <a:buNone/>
+              <a:defRPr sz="1400" kern="1200">
+                <a:solidFill>
+                  <a:schemeClr val="accent2"/>
+                </a:solidFill>
+                <a:latin typeface="+mn-lt"/>
+                <a:ea typeface="+mn-ea"/>
+                <a:cs typeface="+mn-cs"/>
+              </a:defRPr>
+            </a:lvl2pPr>
+            <a:lvl3pPr marL="0" indent="0" algn="l" defTabSz="914400" rtl="0" eaLnBrk="1" latinLnBrk="0" hangingPunct="1">
+              <a:spcBef>
+                <a:spcPts val="567"/>
+              </a:spcBef>
+              <a:buClr>
+                <a:schemeClr val="tx2"/>
+              </a:buClr>
+              <a:buFont typeface="Arial" pitchFamily="34" charset="0"/>
+              <a:buNone/>
+              <a:defRPr sz="1400" kern="1200">
+                <a:solidFill>
+                  <a:schemeClr val="accent2"/>
+                </a:solidFill>
+                <a:latin typeface="+mn-lt"/>
+                <a:ea typeface="+mn-ea"/>
+                <a:cs typeface="+mn-cs"/>
+              </a:defRPr>
+            </a:lvl3pPr>
+            <a:lvl4pPr marL="784225" indent="-201613" algn="l" defTabSz="914400" rtl="0" eaLnBrk="1" latinLnBrk="0" hangingPunct="1">
+              <a:spcBef>
+                <a:spcPts val="0"/>
+              </a:spcBef>
+              <a:buClr>
+                <a:schemeClr val="tx2"/>
+              </a:buClr>
+              <a:buFont typeface="Minion Pro" pitchFamily="18" charset="0"/>
+              <a:buChar char="‒"/>
+              <a:defRPr sz="1400" kern="1200">
+                <a:solidFill>
+                  <a:schemeClr val="bg1"/>
+                </a:solidFill>
+                <a:latin typeface="+mn-lt"/>
+                <a:ea typeface="+mn-ea"/>
+                <a:cs typeface="+mn-cs"/>
+              </a:defRPr>
+            </a:lvl4pPr>
+            <a:lvl5pPr marL="1000125" indent="-185738" algn="l" defTabSz="914400" rtl="0" eaLnBrk="1" latinLnBrk="0" hangingPunct="1">
+              <a:spcBef>
+                <a:spcPts val="0"/>
+              </a:spcBef>
+              <a:buClr>
+                <a:schemeClr val="tx2"/>
+              </a:buClr>
+              <a:buFont typeface="Arial" pitchFamily="34" charset="0"/>
+              <a:buChar char="»"/>
+              <a:defRPr sz="1400" kern="1200">
+                <a:solidFill>
+                  <a:schemeClr val="bg1"/>
+                </a:solidFill>
+                <a:latin typeface="+mn-lt"/>
+                <a:ea typeface="+mn-ea"/>
+                <a:cs typeface="+mn-cs"/>
+              </a:defRPr>
+            </a:lvl5pPr>
+            <a:lvl6pPr marL="2514600" indent="-228600" algn="l" defTabSz="914400" rtl="0" eaLnBrk="1" latinLnBrk="0" hangingPunct="1">
+              <a:spcBef>
+                <a:spcPct val="20000"/>
+              </a:spcBef>
+              <a:buFont typeface="Arial" pitchFamily="34" charset="0"/>
+              <a:buChar char="•"/>
+              <a:defRPr sz="2000" kern="1200">
+                <a:solidFill>
+                  <a:schemeClr val="tx1"/>
+                </a:solidFill>
+                <a:latin typeface="+mn-lt"/>
+                <a:ea typeface="+mn-ea"/>
+                <a:cs typeface="+mn-cs"/>
+              </a:defRPr>
+            </a:lvl6pPr>
+            <a:lvl7pPr marL="2971800" indent="-228600" algn="l" defTabSz="914400" rtl="0" eaLnBrk="1" latinLnBrk="0" hangingPunct="1">
+              <a:spcBef>
+                <a:spcPct val="20000"/>
+              </a:spcBef>
+              <a:buFont typeface="Arial" pitchFamily="34" charset="0"/>
+              <a:buChar char="•"/>
+              <a:defRPr sz="2000" kern="1200">
+                <a:solidFill>
+                  <a:schemeClr val="tx1"/>
+                </a:solidFill>
+                <a:latin typeface="+mn-lt"/>
+                <a:ea typeface="+mn-ea"/>
+                <a:cs typeface="+mn-cs"/>
+              </a:defRPr>
+            </a:lvl7pPr>
+            <a:lvl8pPr marL="3429000" indent="-228600" algn="l" defTabSz="914400" rtl="0" eaLnBrk="1" latinLnBrk="0" hangingPunct="1">
+              <a:spcBef>
+                <a:spcPct val="20000"/>
+              </a:spcBef>
+              <a:buFont typeface="Arial" pitchFamily="34" charset="0"/>
+              <a:buChar char="•"/>
+              <a:defRPr sz="2000" kern="1200">
+                <a:solidFill>
+                  <a:schemeClr val="tx1"/>
+                </a:solidFill>
+                <a:latin typeface="+mn-lt"/>
+                <a:ea typeface="+mn-ea"/>
+                <a:cs typeface="+mn-cs"/>
+              </a:defRPr>
+            </a:lvl8pPr>
+            <a:lvl9pPr marL="3886200" indent="-228600" algn="l" defTabSz="914400" rtl="0" eaLnBrk="1" latinLnBrk="0" hangingPunct="1">
+              <a:spcBef>
+                <a:spcPct val="20000"/>
+              </a:spcBef>
+              <a:buFont typeface="Arial" pitchFamily="34" charset="0"/>
+              <a:buChar char="•"/>
+              <a:defRPr sz="2000" kern="1200">
+                <a:solidFill>
+                  <a:schemeClr val="tx1"/>
+                </a:solidFill>
+                <a:latin typeface="+mn-lt"/>
+                <a:ea typeface="+mn-ea"/>
+                <a:cs typeface="+mn-cs"/>
+              </a:defRPr>
+            </a:lvl9pPr>
+          </a:lstStyle>
+          <a:p>
+            <a:pPr algn="ctr"/>
+            <a:r>
+              <a:rPr lang="en-GB" sz="2800" dirty="0"/>
+              <a:t>Problem 3 - Fantasy Traveller</a:t>
+            </a:r>
           </a:p>
         </p:txBody>
       </p:sp>
@@ -2464,7 +2717,7 @@
           <a:lstStyle/>
           <a:p>
             <a:r>
-              <a:rPr lang="en-GB" dirty="0"/>
+              <a:rPr lang="en-GB" u="sng" dirty="0"/>
               <a:t>Novelty in the approach</a:t>
             </a:r>
           </a:p>
@@ -2496,8 +2749,9 @@
           <a:bodyPr/>
           <a:lstStyle/>
           <a:p>
-            <a:pPr marL="457200" indent="-457200">
-              <a:buAutoNum type="arabicPeriod"/>
+            <a:pPr marL="342900" indent="-342900">
+              <a:buFont typeface="Arial" panose="020B0604020202020204" pitchFamily="34" charset="0"/>
+              <a:buChar char="•"/>
             </a:pPr>
             <a:r>
               <a:rPr lang="en-GB" b="0" dirty="0"/>
@@ -2505,17 +2759,19 @@
             </a:r>
           </a:p>
           <a:p>
-            <a:pPr marL="457200" indent="-457200">
-              <a:buAutoNum type="arabicPeriod"/>
+            <a:pPr marL="342900" indent="-342900">
+              <a:buFont typeface="Arial" panose="020B0604020202020204" pitchFamily="34" charset="0"/>
+              <a:buChar char="•"/>
             </a:pPr>
             <a:r>
               <a:rPr lang="en-GB" b="0" dirty="0"/>
-              <a:t>Use of minimal API’s(Google Maps and readymade frameworks(ex; firebase – application development platform).</a:t>
-            </a:r>
-          </a:p>
-          <a:p>
-            <a:pPr marL="457200" indent="-457200">
-              <a:buAutoNum type="arabicPeriod"/>
+              <a:t>Use of minimal API’s(Google Maps) and not using readymade frameworks(ex; firebase, GCP – application development platform).</a:t>
+            </a:r>
+          </a:p>
+          <a:p>
+            <a:pPr marL="342900" indent="-342900">
+              <a:buFont typeface="Arial" panose="020B0604020202020204" pitchFamily="34" charset="0"/>
+              <a:buChar char="•"/>
             </a:pPr>
             <a:r>
               <a:rPr lang="en-GB" b="0" dirty="0"/>
@@ -2523,17 +2779,19 @@
             </a:r>
           </a:p>
           <a:p>
-            <a:pPr marL="457200" indent="-457200">
-              <a:buAutoNum type="arabicPeriod"/>
+            <a:pPr marL="342900" indent="-342900">
+              <a:buFont typeface="Arial" panose="020B0604020202020204" pitchFamily="34" charset="0"/>
+              <a:buChar char="•"/>
             </a:pPr>
             <a:r>
               <a:rPr lang="en-GB" b="0" dirty="0"/>
-              <a:t>No use of Backend as a service(Baas) – Firebase (disadvantage: limited query ability due to firebase DataStream model, self deployed backend (over Kafka)</a:t>
-            </a:r>
-          </a:p>
-          <a:p>
-            <a:pPr marL="457200" indent="-457200">
-              <a:buAutoNum type="arabicPeriod" startAt="5"/>
+              <a:t>No use of Backend as a Service(BaaS) – Firebase (disadvantage: limited query ability due to Firebase DataStream model, self deployed backend (over Kafka)</a:t>
+            </a:r>
+          </a:p>
+          <a:p>
+            <a:pPr marL="342900" indent="-342900">
+              <a:buFont typeface="Arial" panose="020B0604020202020204" pitchFamily="34" charset="0"/>
+              <a:buChar char="•"/>
             </a:pPr>
             <a:r>
               <a:rPr lang="en-GB" b="0" dirty="0"/>
@@ -2541,8 +2799,9 @@
             </a:r>
           </a:p>
           <a:p>
-            <a:pPr marL="457200" indent="-457200">
-              <a:buAutoNum type="arabicPeriod" startAt="5"/>
+            <a:pPr marL="342900" indent="-342900">
+              <a:buFont typeface="Arial" panose="020B0604020202020204" pitchFamily="34" charset="0"/>
+              <a:buChar char="•"/>
             </a:pPr>
             <a:r>
               <a:rPr lang="en-GB" b="0" dirty="0"/>
@@ -2550,12 +2809,13 @@
             </a:r>
           </a:p>
           <a:p>
-            <a:pPr marL="457200" indent="-457200">
-              <a:buAutoNum type="arabicPeriod" startAt="5"/>
+            <a:pPr marL="342900" indent="-342900">
+              <a:buFont typeface="Arial" panose="020B0604020202020204" pitchFamily="34" charset="0"/>
+              <a:buChar char="•"/>
             </a:pPr>
             <a:r>
               <a:rPr lang="en-GB" b="0" dirty="0"/>
-              <a:t>Maximum exploitation of the KAFKA service for different purposes (scalability, fault tolerance, durability, high performance, etc.) for keeping the design and functionality simplistic.</a:t>
+              <a:t>Our application caters the user even without internet(Offline).</a:t>
             </a:r>
           </a:p>
           <a:p>
@@ -2595,6 +2855,189 @@
       </p:grpSpPr>
       <p:sp>
         <p:nvSpPr>
+          <p:cNvPr id="2" name="Title 1">
+            <a:extLst>
+              <a:ext uri="{FF2B5EF4-FFF2-40B4-BE49-F238E27FC236}">
+                <a16:creationId xmlns:a16="http://schemas.microsoft.com/office/drawing/2014/main" id="{DA779AD7-82E0-4190-9011-004EA9238094}"/>
+              </a:ext>
+            </a:extLst>
+          </p:cNvPr>
+          <p:cNvSpPr>
+            <a:spLocks noGrp="1"/>
+          </p:cNvSpPr>
+          <p:nvPr>
+            <p:ph type="title"/>
+          </p:nvPr>
+        </p:nvSpPr>
+        <p:spPr/>
+        <p:txBody>
+          <a:bodyPr/>
+          <a:lstStyle/>
+          <a:p>
+            <a:r>
+              <a:rPr lang="en-GB" u="sng" dirty="0"/>
+              <a:t>Limitations and Future Works</a:t>
+            </a:r>
+          </a:p>
+        </p:txBody>
+      </p:sp>
+      <p:sp>
+        <p:nvSpPr>
+          <p:cNvPr id="3" name="Text Placeholder 2">
+            <a:extLst>
+              <a:ext uri="{FF2B5EF4-FFF2-40B4-BE49-F238E27FC236}">
+                <a16:creationId xmlns:a16="http://schemas.microsoft.com/office/drawing/2014/main" id="{5EBC1EB8-1F77-45EE-9A3B-AD47E9F60581}"/>
+              </a:ext>
+            </a:extLst>
+          </p:cNvPr>
+          <p:cNvSpPr>
+            <a:spLocks noGrp="1"/>
+          </p:cNvSpPr>
+          <p:nvPr>
+            <p:ph type="body" sz="quarter" idx="10"/>
+          </p:nvPr>
+        </p:nvSpPr>
+        <p:spPr>
+          <a:xfrm>
+            <a:off x="828675" y="1167319"/>
+            <a:ext cx="7500938" cy="4753944"/>
+          </a:xfrm>
+        </p:spPr>
+        <p:txBody>
+          <a:bodyPr/>
+          <a:lstStyle/>
+          <a:p>
+            <a:pPr marL="342900" indent="-342900">
+              <a:buFont typeface="Arial" panose="020B0604020202020204" pitchFamily="34" charset="0"/>
+              <a:buChar char="•"/>
+            </a:pPr>
+            <a:r>
+              <a:rPr lang="en-GB" b="0" dirty="0"/>
+              <a:t>Chat box functionality for users for communication.</a:t>
+            </a:r>
+          </a:p>
+          <a:p>
+            <a:pPr marL="342900" indent="-342900">
+              <a:buFont typeface="Arial" panose="020B0604020202020204" pitchFamily="34" charset="0"/>
+              <a:buChar char="•"/>
+            </a:pPr>
+            <a:r>
+              <a:rPr lang="en-GB" b="0" dirty="0"/>
+              <a:t>Detailed demo videos and guides for usage of the app.</a:t>
+            </a:r>
+          </a:p>
+          <a:p>
+            <a:pPr marL="342900" indent="-342900">
+              <a:buFont typeface="Arial" panose="020B0604020202020204" pitchFamily="34" charset="0"/>
+              <a:buChar char="•"/>
+            </a:pPr>
+            <a:r>
+              <a:rPr lang="en-GB" b="0" dirty="0"/>
+              <a:t>Wallet Function to facilitate payment of the users.</a:t>
+            </a:r>
+          </a:p>
+          <a:p>
+            <a:pPr marL="342900" indent="-342900">
+              <a:buFont typeface="Arial" panose="020B0604020202020204" pitchFamily="34" charset="0"/>
+              <a:buChar char="•"/>
+            </a:pPr>
+            <a:r>
+              <a:rPr lang="en-GB" b="0" dirty="0"/>
+              <a:t>Notification to users at their preferred time entered to notify their daily commute. (Proactively helping them plan their commute in advance)</a:t>
+            </a:r>
+          </a:p>
+          <a:p>
+            <a:pPr marL="342900" indent="-342900">
+              <a:buFont typeface="Arial" panose="020B0604020202020204" pitchFamily="34" charset="0"/>
+              <a:buChar char="•"/>
+            </a:pPr>
+            <a:r>
+              <a:rPr lang="en-GB" b="0" dirty="0"/>
+              <a:t>Message override problem in P2P </a:t>
+            </a:r>
+          </a:p>
+          <a:p>
+            <a:pPr marL="342900" indent="-342900">
+              <a:buFont typeface="Arial" panose="020B0604020202020204" pitchFamily="34" charset="0"/>
+              <a:buChar char="•"/>
+            </a:pPr>
+            <a:r>
+              <a:rPr lang="en-GB" b="0" dirty="0"/>
+              <a:t>Refinement needed after service discovery in P2P.</a:t>
+            </a:r>
+          </a:p>
+          <a:p>
+            <a:pPr marL="342900" indent="-342900">
+              <a:buFont typeface="Arial" panose="020B0604020202020204" pitchFamily="34" charset="0"/>
+              <a:buChar char="•"/>
+            </a:pPr>
+            <a:r>
+              <a:rPr lang="en-GB" b="0" dirty="0"/>
+              <a:t>Unable to provide common starting location to users, it can be implemented using Dijkstra algorithm in future.</a:t>
+            </a:r>
+          </a:p>
+          <a:p>
+            <a:pPr marL="342900" indent="-342900">
+              <a:buFont typeface="Arial" panose="020B0604020202020204" pitchFamily="34" charset="0"/>
+              <a:buChar char="•"/>
+            </a:pPr>
+            <a:endParaRPr lang="en-GB" b="0" dirty="0"/>
+          </a:p>
+          <a:p>
+            <a:pPr marL="342900" indent="-342900">
+              <a:buFont typeface="Arial" panose="020B0604020202020204" pitchFamily="34" charset="0"/>
+              <a:buChar char="•"/>
+            </a:pPr>
+            <a:endParaRPr lang="en-GB" b="0" dirty="0"/>
+          </a:p>
+          <a:p>
+            <a:pPr marL="342900" indent="-342900">
+              <a:buFont typeface="Arial" panose="020B0604020202020204" pitchFamily="34" charset="0"/>
+              <a:buChar char="•"/>
+            </a:pPr>
+            <a:endParaRPr lang="en-GB" b="0" dirty="0"/>
+          </a:p>
+          <a:p>
+            <a:pPr marL="342900" indent="-342900">
+              <a:buFont typeface="Arial" panose="020B0604020202020204" pitchFamily="34" charset="0"/>
+              <a:buChar char="•"/>
+            </a:pPr>
+            <a:endParaRPr lang="en-GB" b="0" dirty="0"/>
+          </a:p>
+        </p:txBody>
+      </p:sp>
+    </p:spTree>
+    <p:extLst>
+      <p:ext uri="{BB962C8B-B14F-4D97-AF65-F5344CB8AC3E}">
+        <p14:creationId xmlns:p14="http://schemas.microsoft.com/office/powerpoint/2010/main" val="2449314731"/>
+      </p:ext>
+    </p:extLst>
+  </p:cSld>
+  <p:clrMapOvr>
+    <a:masterClrMapping/>
+  </p:clrMapOvr>
+</p:sld>
+</file>
+
+<file path=ppt/slides/slide12.xml><?xml version="1.0" encoding="utf-8"?>
+<p:sld xmlns:a="http://schemas.openxmlformats.org/drawingml/2006/main" xmlns:r="http://schemas.openxmlformats.org/officeDocument/2006/relationships" xmlns:p="http://schemas.openxmlformats.org/presentationml/2006/main">
+  <p:cSld>
+    <p:spTree>
+      <p:nvGrpSpPr>
+        <p:cNvPr id="1" name=""/>
+        <p:cNvGrpSpPr/>
+        <p:nvPr/>
+      </p:nvGrpSpPr>
+      <p:grpSpPr>
+        <a:xfrm>
+          <a:off x="0" y="0"/>
+          <a:ext cx="0" cy="0"/>
+          <a:chOff x="0" y="0"/>
+          <a:chExt cx="0" cy="0"/>
+        </a:xfrm>
+      </p:grpSpPr>
+      <p:sp>
+        <p:nvSpPr>
           <p:cNvPr id="2" name="Title 1"/>
           <p:cNvSpPr>
             <a:spLocks noGrp="1"/>
@@ -2668,7 +3111,7 @@
           <a:p>
             <a:r>
               <a:rPr lang="en-GB" u="sng" dirty="0"/>
-              <a:t>Criteria Points of Assessment</a:t>
+              <a:t>Focus Points</a:t>
             </a:r>
           </a:p>
         </p:txBody>
@@ -2713,7 +3156,7 @@
             </a:pPr>
             <a:r>
               <a:rPr lang="en-GB" dirty="0"/>
-              <a:t>Application of appropriate systems’ algorithms in group project</a:t>
+              <a:t>Application of distributed systems in group project</a:t>
             </a:r>
           </a:p>
           <a:p>
@@ -2829,7 +3272,7 @@
             </a:pPr>
             <a:r>
               <a:rPr lang="en-GB" u="sng" dirty="0"/>
-              <a:t>Metaphor, Team Work and Planning </a:t>
+              <a:t>Team Work and Planning </a:t>
             </a:r>
             <a:r>
               <a:rPr lang="en-GB" b="0" dirty="0"/>
@@ -2982,7 +3425,7 @@
         </p:nvSpPr>
         <p:spPr>
           <a:xfrm>
-            <a:off x="828675" y="301557"/>
+            <a:off x="828675" y="262646"/>
             <a:ext cx="7500938" cy="6060332"/>
           </a:xfrm>
         </p:spPr>
@@ -2998,49 +3441,36 @@
               <a:rPr lang="en-GB" u="sng" dirty="0"/>
               <a:t>Refactoring with some examples</a:t>
             </a:r>
-          </a:p>
-          <a:p>
-            <a:pPr marL="342900" indent="-342900">
-              <a:buFont typeface="Wingdings" panose="05000000000000000000" pitchFamily="2" charset="2"/>
-              <a:buChar char="Ø"/>
-            </a:pPr>
-            <a:r>
-              <a:rPr lang="en-GB" b="0" u="sng" dirty="0"/>
-              <a:t>Distributed System Implementation</a:t>
-            </a:r>
+            <a:endParaRPr lang="en-GB" dirty="0"/>
           </a:p>
           <a:p>
             <a:r>
               <a:rPr lang="en-GB" b="0" dirty="0"/>
-              <a:t>1. Use of Kafka (its partitioning system) : Earlier we were syncing current location every 10 seconds with DB, but this was putting effect on load balancer so we used Kafka Data streaming services in between.</a:t>
+              <a:t>1. Multiple threads for the same functionality were being used, causing more load on the whole process, due to duplication and redundancy in the approach. Put them on a single thread instead.</a:t>
             </a:r>
           </a:p>
           <a:p>
             <a:r>
               <a:rPr lang="en-GB" b="0" dirty="0"/>
-              <a:t>2. Golang and C++ avoided for Google S2 Library implementation, instead implemented using Kafka(JAVA), so that its easy for everyone.</a:t>
+              <a:t>2. Creation of function specific classes in code, example, for data parsing we crated a separate parser class with a parsing function which could handle different types of data, instead of putting different types of data parsers in different classes, thus reducing the latency.</a:t>
             </a:r>
           </a:p>
           <a:p>
             <a:r>
               <a:rPr lang="en-GB" b="0" dirty="0"/>
-              <a:t>3. Initially in the load balancer, there was only one target group for two instances, with 6 REST services deployed on it, but it was getting very complex and bulky with faults , thus we created 3 Target Groups for 2 instances, instead of 1 after load testing.</a:t>
-            </a:r>
-          </a:p>
-          <a:p>
-            <a:pPr marL="342900" indent="-342900">
-              <a:buFont typeface="Wingdings" panose="05000000000000000000" pitchFamily="2" charset="2"/>
-              <a:buChar char="Ø"/>
-            </a:pPr>
-            <a:r>
-              <a:rPr lang="en-GB" b="0" u="sng" dirty="0"/>
-              <a:t>Database</a:t>
+              <a:t>3. Utilising same map fragment for both commutation modes – Find Fellow Traveller and Daily Commute.</a:t>
             </a:r>
           </a:p>
           <a:p>
             <a:r>
               <a:rPr lang="en-GB" b="0" dirty="0"/>
-              <a:t>Earlier, the data was being synced to our DB for every interaction, unnecessary referring to our DB and putting more load on the service, so we started storing a copy of important data in our apps cache memory which improved the speed and turnaround of our processes. </a:t>
+              <a:t>4. Initially URLs’ call was added to each class for all the services and we would change the IP address each time, later we added the URL class storing all the necessary URL and calling the class.</a:t>
+            </a:r>
+          </a:p>
+          <a:p>
+            <a:r>
+              <a:rPr lang="en-GB" b="0" dirty="0"/>
+              <a:t>5. Used same OTP service for verifying(authentication) the account and while changing the password(identification).</a:t>
             </a:r>
           </a:p>
           <a:p>
@@ -3111,29 +3541,6 @@
           <a:lstStyle/>
           <a:p>
             <a:pPr marL="342900" indent="-342900">
-              <a:buFont typeface="Wingdings" panose="05000000000000000000" pitchFamily="2" charset="2"/>
-              <a:buChar char="Ø"/>
-            </a:pPr>
-            <a:r>
-              <a:rPr lang="en-GB" b="0" u="sng" dirty="0"/>
-              <a:t>UI and Backend</a:t>
-            </a:r>
-          </a:p>
-          <a:p>
-            <a:r>
-              <a:rPr lang="en-GB" b="0" dirty="0"/>
-              <a:t>1. Multiple threads for the same functionality (example: maps) were being used, causing more load on the whole process, due to duplication and redundancy in the approach. Put them on a single thread instead.</a:t>
-            </a:r>
-          </a:p>
-          <a:p>
-            <a:r>
-              <a:rPr lang="en-GB" b="0" dirty="0"/>
-              <a:t>2. Creation of function specific classes in code, example, for data parsing we crated a separate parser class with a parsing function which could handle different types of data, instead of putting different types of data parsers in different classes. Reduced our latency.</a:t>
-            </a:r>
-            <a:endParaRPr lang="en-GB" dirty="0"/>
-          </a:p>
-          <a:p>
-            <a:pPr marL="342900" indent="-342900">
               <a:buFont typeface="Arial" panose="020B0604020202020204" pitchFamily="34" charset="0"/>
               <a:buChar char="•"/>
             </a:pPr>
@@ -3220,7 +3627,7 @@
           <a:p>
             <a:r>
               <a:rPr lang="en-GB" u="sng" dirty="0"/>
-              <a:t>Application of distributed algorithms</a:t>
+              <a:t>Application of distributed systems</a:t>
             </a:r>
           </a:p>
         </p:txBody>
@@ -3423,7 +3830,7 @@
             </a:pPr>
             <a:r>
               <a:rPr lang="en-IE" b="0" dirty="0"/>
-              <a:t>Discovering Peers in a range of maximum 600 feet (Range of </a:t>
+              <a:t>Discovering Peers in a range of maximum 300 feet (Range of </a:t>
             </a:r>
             <a:r>
               <a:rPr lang="en-IE" b="0" dirty="0" err="1"/>
@@ -3471,7 +3878,7 @@
             </a:pPr>
             <a:r>
               <a:rPr lang="en-IE" b="0" dirty="0"/>
-              <a:t>Advertising the service</a:t>
+              <a:t>Broadcasting the service</a:t>
             </a:r>
           </a:p>
           <a:p>
@@ -3600,16 +4007,6 @@
             </a:pPr>
             <a:r>
               <a:rPr lang="en-GB" b="0" dirty="0"/>
-              <a:t>Separated blocks of code into ‘paragraphs’ so that different sections are easily defined.</a:t>
-            </a:r>
-          </a:p>
-          <a:p>
-            <a:pPr marL="342900" indent="-342900">
-              <a:buFont typeface="Arial" panose="020B0604020202020204" pitchFamily="34" charset="0"/>
-              <a:buChar char="•"/>
-            </a:pPr>
-            <a:r>
-              <a:rPr lang="en-GB" b="0" dirty="0"/>
               <a:t>Use of indentation to show where control structures (if, else, while and other loops) begin and end, and where the code within them is defined.</a:t>
             </a:r>
           </a:p>
@@ -3641,6 +4038,16 @@
             <a:r>
               <a:rPr lang="en-GB" b="0" dirty="0"/>
               <a:t>Avoiding the use of complex functions and constructs, which are quicker to implement but affect readability and other's understanding in the long run.</a:t>
+            </a:r>
+          </a:p>
+          <a:p>
+            <a:pPr marL="342900" indent="-342900">
+              <a:buFont typeface="Arial" panose="020B0604020202020204" pitchFamily="34" charset="0"/>
+              <a:buChar char="•"/>
+            </a:pPr>
+            <a:r>
+              <a:rPr lang="en-GB" b="0" dirty="0"/>
+              <a:t>Used loggers for debugging and traceability of the flow of execution. </a:t>
             </a:r>
           </a:p>
           <a:p>
@@ -3752,7 +4159,7 @@
             </a:pPr>
             <a:r>
               <a:rPr lang="en-GB" b="0" dirty="0"/>
-              <a:t>Data exchange in the main threads was a challenge, so we se switched to the asynchronous tasks for the same.</a:t>
+              <a:t>Use of KAFKA over NODE JS Gossip protocol and Uber Ring Pop &amp; Hash rings concept for distributed systems.</a:t>
             </a:r>
           </a:p>
           <a:p>
@@ -3762,17 +4169,7 @@
             </a:pPr>
             <a:r>
               <a:rPr lang="en-GB" b="0" dirty="0"/>
-              <a:t>Use of KAFKA over NODE JS Gossip protocol and Uber Ring Pop &amp; Hash rings concept for distributed systems.</a:t>
-            </a:r>
-          </a:p>
-          <a:p>
-            <a:pPr marL="342900" indent="-342900">
-              <a:buFont typeface="Arial" panose="020B0604020202020204" pitchFamily="34" charset="0"/>
-              <a:buChar char="•"/>
-            </a:pPr>
-            <a:r>
-              <a:rPr lang="en-GB" b="0" dirty="0"/>
-              <a:t>Google S2 library was used to fetch the latitude and longitude of the user in place of GeoHashing which was much tougher due to lack of documentation for the former.</a:t>
+              <a:t>Google S2 library was used in place of GeoHashing due to its better accuracy in tracking location. However, the former was more difficult to implement due to lack of documentation.</a:t>
             </a:r>
           </a:p>
           <a:p>
